--- a/ERP System_V5.pptx
+++ b/ERP System_V5.pptx
@@ -4484,7 +4484,7 @@
             <a:fld id="{65771C21-3757-4199-83DE-22960358A2A5}" type="datetimeFigureOut">
               <a:rPr lang="ko-KR" altLang="en-US" smtClean="0"/>
               <a:pPr/>
-              <a:t>2019-08-26</a:t>
+              <a:t>2019-08-27</a:t>
             </a:fld>
             <a:endParaRPr lang="ko-KR" altLang="en-US"/>
           </a:p>
@@ -7259,7 +7259,7 @@
             <a:fld id="{A22FE722-38C7-4231-8BB5-7A27D4E5977D}" type="datetimeFigureOut">
               <a:rPr lang="ko-KR" altLang="en-US" smtClean="0"/>
               <a:pPr/>
-              <a:t>2019-08-26</a:t>
+              <a:t>2019-08-27</a:t>
             </a:fld>
             <a:endParaRPr lang="ko-KR" altLang="en-US"/>
           </a:p>
@@ -7426,7 +7426,7 @@
             <a:fld id="{A22FE722-38C7-4231-8BB5-7A27D4E5977D}" type="datetimeFigureOut">
               <a:rPr lang="ko-KR" altLang="en-US" smtClean="0"/>
               <a:pPr/>
-              <a:t>2019-08-26</a:t>
+              <a:t>2019-08-27</a:t>
             </a:fld>
             <a:endParaRPr lang="ko-KR" altLang="en-US"/>
           </a:p>
@@ -7603,7 +7603,7 @@
             <a:fld id="{A22FE722-38C7-4231-8BB5-7A27D4E5977D}" type="datetimeFigureOut">
               <a:rPr lang="ko-KR" altLang="en-US" smtClean="0"/>
               <a:pPr/>
-              <a:t>2019-08-26</a:t>
+              <a:t>2019-08-27</a:t>
             </a:fld>
             <a:endParaRPr lang="ko-KR" altLang="en-US"/>
           </a:p>
@@ -7770,7 +7770,7 @@
             <a:fld id="{A22FE722-38C7-4231-8BB5-7A27D4E5977D}" type="datetimeFigureOut">
               <a:rPr lang="ko-KR" altLang="en-US" smtClean="0"/>
               <a:pPr/>
-              <a:t>2019-08-26</a:t>
+              <a:t>2019-08-27</a:t>
             </a:fld>
             <a:endParaRPr lang="ko-KR" altLang="en-US"/>
           </a:p>
@@ -8013,7 +8013,7 @@
             <a:fld id="{A22FE722-38C7-4231-8BB5-7A27D4E5977D}" type="datetimeFigureOut">
               <a:rPr lang="ko-KR" altLang="en-US" smtClean="0"/>
               <a:pPr/>
-              <a:t>2019-08-26</a:t>
+              <a:t>2019-08-27</a:t>
             </a:fld>
             <a:endParaRPr lang="ko-KR" altLang="en-US"/>
           </a:p>
@@ -8298,7 +8298,7 @@
             <a:fld id="{A22FE722-38C7-4231-8BB5-7A27D4E5977D}" type="datetimeFigureOut">
               <a:rPr lang="ko-KR" altLang="en-US" smtClean="0"/>
               <a:pPr/>
-              <a:t>2019-08-26</a:t>
+              <a:t>2019-08-27</a:t>
             </a:fld>
             <a:endParaRPr lang="ko-KR" altLang="en-US"/>
           </a:p>
@@ -8717,7 +8717,7 @@
             <a:fld id="{A22FE722-38C7-4231-8BB5-7A27D4E5977D}" type="datetimeFigureOut">
               <a:rPr lang="ko-KR" altLang="en-US" smtClean="0"/>
               <a:pPr/>
-              <a:t>2019-08-26</a:t>
+              <a:t>2019-08-27</a:t>
             </a:fld>
             <a:endParaRPr lang="ko-KR" altLang="en-US"/>
           </a:p>
@@ -8832,7 +8832,7 @@
             <a:fld id="{A22FE722-38C7-4231-8BB5-7A27D4E5977D}" type="datetimeFigureOut">
               <a:rPr lang="ko-KR" altLang="en-US" smtClean="0"/>
               <a:pPr/>
-              <a:t>2019-08-26</a:t>
+              <a:t>2019-08-27</a:t>
             </a:fld>
             <a:endParaRPr lang="ko-KR" altLang="en-US"/>
           </a:p>
@@ -8924,7 +8924,7 @@
             <a:fld id="{A22FE722-38C7-4231-8BB5-7A27D4E5977D}" type="datetimeFigureOut">
               <a:rPr lang="ko-KR" altLang="en-US" smtClean="0"/>
               <a:pPr/>
-              <a:t>2019-08-26</a:t>
+              <a:t>2019-08-27</a:t>
             </a:fld>
             <a:endParaRPr lang="ko-KR" altLang="en-US"/>
           </a:p>
@@ -9198,7 +9198,7 @@
             <a:fld id="{A22FE722-38C7-4231-8BB5-7A27D4E5977D}" type="datetimeFigureOut">
               <a:rPr lang="ko-KR" altLang="en-US" smtClean="0"/>
               <a:pPr/>
-              <a:t>2019-08-26</a:t>
+              <a:t>2019-08-27</a:t>
             </a:fld>
             <a:endParaRPr lang="ko-KR" altLang="en-US"/>
           </a:p>
@@ -9448,7 +9448,7 @@
             <a:fld id="{A22FE722-38C7-4231-8BB5-7A27D4E5977D}" type="datetimeFigureOut">
               <a:rPr lang="ko-KR" altLang="en-US" smtClean="0"/>
               <a:pPr/>
-              <a:t>2019-08-26</a:t>
+              <a:t>2019-08-27</a:t>
             </a:fld>
             <a:endParaRPr lang="ko-KR" altLang="en-US"/>
           </a:p>
@@ -9658,7 +9658,7 @@
             <a:fld id="{A22FE722-38C7-4231-8BB5-7A27D4E5977D}" type="datetimeFigureOut">
               <a:rPr lang="ko-KR" altLang="en-US" smtClean="0"/>
               <a:pPr/>
-              <a:t>2019-08-26</a:t>
+              <a:t>2019-08-27</a:t>
             </a:fld>
             <a:endParaRPr lang="ko-KR" altLang="en-US"/>
           </a:p>
@@ -10092,7 +10092,7 @@
         <p:spPr>
           <a:xfrm>
             <a:off x="5580112" y="5516672"/>
-            <a:ext cx="3528392" cy="1152688"/>
+            <a:ext cx="3528392" cy="1200329"/>
           </a:xfrm>
           <a:prstGeom prst="rect">
             <a:avLst/>
@@ -10110,6 +10110,16 @@
                 <a:spcPct val="150000"/>
               </a:lnSpc>
             </a:pPr>
+            <a:r>
+              <a:rPr lang="ko-KR" altLang="en-US" sz="1600" b="1" smtClean="0">
+                <a:solidFill>
+                  <a:schemeClr val="bg1">
+                    <a:lumMod val="95000"/>
+                  </a:schemeClr>
+                </a:solidFill>
+              </a:rPr>
+              <a:t>팀  원    </a:t>
+            </a:r>
             <a:r>
               <a:rPr lang="ko-KR" altLang="en-US" sz="1600" b="1" dirty="0" smtClean="0">
                 <a:solidFill>
@@ -10118,7 +10128,7 @@
                   </a:schemeClr>
                 </a:solidFill>
               </a:rPr>
-              <a:t>발표자   이 우 </a:t>
+              <a:t>이 우 </a:t>
             </a:r>
             <a:r>
               <a:rPr lang="ko-KR" altLang="en-US" sz="1600" b="1" dirty="0">
@@ -12880,7 +12890,7 @@
                   </a:schemeClr>
                 </a:solidFill>
               </a:rPr>
-              <a:t>총 </a:t>
+              <a:t>시스템 총 </a:t>
             </a:r>
             <a:r>
               <a:rPr lang="en-US" altLang="ko-KR" sz="2400" dirty="0" smtClean="0">
